--- a/Slides/Unit 3 - Lists, Stacks, Queues, Hash tables.pptx
+++ b/Slides/Unit 3 - Lists, Stacks, Queues, Hash tables.pptx
@@ -179,6 +179,10 @@
 </p:presentation>
 </file>
 
+<file path=ppt/revisionInfo.xml><?xml version="1.0" encoding="utf-8"?>
+<p1510:revInfo xmlns:a="http://schemas.openxmlformats.org/drawingml/2006/main" xmlns:r="http://schemas.openxmlformats.org/officeDocument/2006/relationships" xmlns:p1510="http://schemas.microsoft.com/office/powerpoint/2015/10/main"/>
+</file>
+
 <file path=ppt/notesMasters/notesMaster1.xml><?xml version="1.0" encoding="utf-8"?>
 <p:notesMaster xmlns:a="http://schemas.openxmlformats.org/drawingml/2006/main" xmlns:r="http://schemas.openxmlformats.org/officeDocument/2006/relationships" xmlns:p="http://schemas.openxmlformats.org/presentationml/2006/main">
   <p:cSld>
@@ -261,7 +265,7 @@
           <a:p>
             <a:fld id="{F314420D-16BA-4EDC-9A71-800590EAD5A3}" type="datetimeFigureOut">
               <a:rPr lang="en-GB" smtClean="0"/>
-              <a:t>22/11/2016</a:t>
+              <a:t>09/10/2017</a:t>
             </a:fld>
             <a:endParaRPr lang="en-GB"/>
           </a:p>
@@ -2219,7 +2223,7 @@
           <a:p>
             <a:fld id="{BCD7F523-0192-4754-9803-3EB8E230C6D8}" type="datetime1">
               <a:rPr lang="en-GB" smtClean="0"/>
-              <a:t>22/11/2016</a:t>
+              <a:t>09/10/2017</a:t>
             </a:fld>
             <a:endParaRPr lang="en-GB"/>
           </a:p>
@@ -2474,7 +2478,7 @@
           <a:p>
             <a:fld id="{6C968527-41C1-4E09-8058-9492CA25C7B3}" type="datetime1">
               <a:rPr lang="en-GB" smtClean="0"/>
-              <a:t>22/11/2016</a:t>
+              <a:t>09/10/2017</a:t>
             </a:fld>
             <a:endParaRPr lang="en-GB"/>
           </a:p>
@@ -2792,7 +2796,7 @@
           <a:p>
             <a:fld id="{FD386904-A57D-4763-8D05-876498B5C3FA}" type="datetime1">
               <a:rPr lang="en-GB" smtClean="0"/>
-              <a:t>22/11/2016</a:t>
+              <a:t>09/10/2017</a:t>
             </a:fld>
             <a:endParaRPr lang="en-GB"/>
           </a:p>
@@ -3123,7 +3127,7 @@
           <a:p>
             <a:fld id="{E84DEBF8-DB46-438D-8577-A1ABD21E8A8E}" type="datetime1">
               <a:rPr lang="en-GB" smtClean="0"/>
-              <a:t>22/11/2016</a:t>
+              <a:t>09/10/2017</a:t>
             </a:fld>
             <a:endParaRPr lang="en-GB"/>
           </a:p>
@@ -3441,7 +3445,7 @@
           <a:p>
             <a:fld id="{985FFA6F-4E44-4FFF-8438-72F8C12480C0}" type="datetime1">
               <a:rPr lang="en-GB" smtClean="0"/>
-              <a:t>22/11/2016</a:t>
+              <a:t>09/10/2017</a:t>
             </a:fld>
             <a:endParaRPr lang="en-GB"/>
           </a:p>
@@ -3832,7 +3836,7 @@
           <a:p>
             <a:fld id="{0FE2A402-423D-46A5-A84B-DE8AE28FF9A2}" type="datetime1">
               <a:rPr lang="en-GB" smtClean="0"/>
-              <a:t>22/11/2016</a:t>
+              <a:t>09/10/2017</a:t>
             </a:fld>
             <a:endParaRPr lang="en-GB"/>
           </a:p>
@@ -4006,7 +4010,7 @@
           <a:p>
             <a:fld id="{CABAFFD1-C744-4D75-8698-084F48DC1B34}" type="datetime1">
               <a:rPr lang="en-GB" smtClean="0"/>
-              <a:t>22/11/2016</a:t>
+              <a:t>09/10/2017</a:t>
             </a:fld>
             <a:endParaRPr lang="en-GB"/>
           </a:p>
@@ -4190,7 +4194,7 @@
           <a:p>
             <a:fld id="{DDA8C081-BC04-4297-BB91-711CD8835088}" type="datetime1">
               <a:rPr lang="en-GB" smtClean="0"/>
-              <a:t>22/11/2016</a:t>
+              <a:t>09/10/2017</a:t>
             </a:fld>
             <a:endParaRPr lang="en-GB"/>
           </a:p>
@@ -4364,7 +4368,7 @@
           <a:p>
             <a:fld id="{4B980FDB-A4CD-4E5B-BA6C-465188180A5C}" type="datetime1">
               <a:rPr lang="en-GB" smtClean="0"/>
-              <a:t>22/11/2016</a:t>
+              <a:t>09/10/2017</a:t>
             </a:fld>
             <a:endParaRPr lang="en-GB"/>
           </a:p>
@@ -4615,7 +4619,7 @@
           <a:p>
             <a:fld id="{31207884-C9B3-4942-B890-F2D12B5BDB87}" type="datetime1">
               <a:rPr lang="en-GB" smtClean="0"/>
-              <a:t>22/11/2016</a:t>
+              <a:t>09/10/2017</a:t>
             </a:fld>
             <a:endParaRPr lang="en-GB"/>
           </a:p>
@@ -4851,7 +4855,7 @@
           <a:p>
             <a:fld id="{1C75798C-1DA7-40AA-A620-785252D8497D}" type="datetime1">
               <a:rPr lang="en-GB" smtClean="0"/>
-              <a:t>22/11/2016</a:t>
+              <a:t>09/10/2017</a:t>
             </a:fld>
             <a:endParaRPr lang="en-GB"/>
           </a:p>
@@ -5229,7 +5233,7 @@
           <a:p>
             <a:fld id="{B66453DC-107F-4A9A-BEF0-76791AC6B4A0}" type="datetime1">
               <a:rPr lang="en-GB" smtClean="0"/>
-              <a:t>22/11/2016</a:t>
+              <a:t>09/10/2017</a:t>
             </a:fld>
             <a:endParaRPr lang="en-GB"/>
           </a:p>
@@ -5356,7 +5360,7 @@
           <a:p>
             <a:fld id="{25162955-98BD-452E-B71D-5F12575AB8BF}" type="datetime1">
               <a:rPr lang="en-GB" smtClean="0"/>
-              <a:t>22/11/2016</a:t>
+              <a:t>09/10/2017</a:t>
             </a:fld>
             <a:endParaRPr lang="en-GB"/>
           </a:p>
@@ -5455,7 +5459,7 @@
           <a:p>
             <a:fld id="{06EADDA7-FDA9-485A-86A5-FF5B5DD69C2D}" type="datetime1">
               <a:rPr lang="en-GB" smtClean="0"/>
-              <a:t>22/11/2016</a:t>
+              <a:t>09/10/2017</a:t>
             </a:fld>
             <a:endParaRPr lang="en-GB"/>
           </a:p>
@@ -5714,7 +5718,7 @@
           <a:p>
             <a:fld id="{E2B93D5D-7FC4-4D8A-9BAD-C98F79CE46DC}" type="datetime1">
               <a:rPr lang="en-GB" smtClean="0"/>
-              <a:t>22/11/2016</a:t>
+              <a:t>09/10/2017</a:t>
             </a:fld>
             <a:endParaRPr lang="en-GB"/>
           </a:p>
@@ -5981,7 +5985,7 @@
           <a:p>
             <a:fld id="{D55A4A97-4E5F-46D7-9647-5FE6B0C346BC}" type="datetime1">
               <a:rPr lang="en-GB" smtClean="0"/>
-              <a:t>22/11/2016</a:t>
+              <a:t>09/10/2017</a:t>
             </a:fld>
             <a:endParaRPr lang="en-GB"/>
           </a:p>
@@ -6730,7 +6734,7 @@
           <a:p>
             <a:fld id="{3B83D8CA-1F22-463B-9C68-D73A516EA308}" type="datetime1">
               <a:rPr lang="en-GB" smtClean="0"/>
-              <a:t>22/11/2016</a:t>
+              <a:t>09/10/2017</a:t>
             </a:fld>
             <a:endParaRPr lang="en-GB"/>
           </a:p>
@@ -14845,64 +14849,21 @@
           <a:p>
             <a:pPr lvl="1"/>
             <a:r>
-              <a:rPr lang="nl-NL" dirty="0" err="1"/>
-              <a:t>Insert</a:t>
-            </a:r>
-            <a:r>
               <a:rPr lang="nl-NL" dirty="0"/>
-              <a:t> a new node at </a:t>
-            </a:r>
-            <a:r>
-              <a:rPr lang="nl-NL" dirty="0" err="1"/>
-              <a:t>the</a:t>
-            </a:r>
-            <a:r>
-              <a:rPr lang="nl-NL" dirty="0"/>
-              <a:t> </a:t>
-            </a:r>
-            <a:r>
-              <a:rPr lang="nl-NL" dirty="0" err="1"/>
-              <a:t>beginning</a:t>
-            </a:r>
-            <a:r>
-              <a:rPr lang="nl-NL" dirty="0"/>
-              <a:t> of a </a:t>
-            </a:r>
-            <a:r>
-              <a:rPr lang="nl-NL" dirty="0" err="1"/>
-              <a:t>doubly</a:t>
-            </a:r>
-            <a:r>
-              <a:rPr lang="nl-NL" dirty="0"/>
-              <a:t> </a:t>
-            </a:r>
-            <a:r>
-              <a:rPr lang="nl-NL" dirty="0" err="1"/>
-              <a:t>linked</a:t>
-            </a:r>
-            <a:r>
-              <a:rPr lang="nl-NL" dirty="0"/>
-              <a:t> list</a:t>
+              <a:t>Insert a new node at the beginning and end of a doubly linked list</a:t>
             </a:r>
           </a:p>
           <a:p>
             <a:pPr lvl="2"/>
-            <a:r>
-              <a:rPr lang="nl-NL" dirty="0" err="1">
-                <a:latin typeface="Consolas" panose="020B0609020204030204" pitchFamily="49" charset="0"/>
-                <a:cs typeface="Consolas" panose="020B0609020204030204" pitchFamily="49" charset="0"/>
-              </a:rPr>
-              <a:t>function</a:t>
-            </a:r>
             <a:r>
               <a:rPr lang="nl-NL" dirty="0">
                 <a:latin typeface="Consolas" panose="020B0609020204030204" pitchFamily="49" charset="0"/>
                 <a:cs typeface="Consolas" panose="020B0609020204030204" pitchFamily="49" charset="0"/>
               </a:rPr>
-              <a:t> </a:t>
-            </a:r>
-            <a:r>
-              <a:rPr lang="nl-NL" b="1" dirty="0" err="1">
+              <a:t>function </a:t>
+            </a:r>
+            <a:r>
+              <a:rPr lang="nl-NL" b="1" dirty="0">
                 <a:latin typeface="Consolas" panose="020B0609020204030204" pitchFamily="49" charset="0"/>
                 <a:cs typeface="Consolas" panose="020B0609020204030204" pitchFamily="49" charset="0"/>
               </a:rPr>
@@ -14913,35 +14874,31 @@
                 <a:latin typeface="Consolas" panose="020B0609020204030204" pitchFamily="49" charset="0"/>
                 <a:cs typeface="Consolas" panose="020B0609020204030204" pitchFamily="49" charset="0"/>
               </a:rPr>
-              <a:t>(List </a:t>
-            </a:r>
-            <a:r>
-              <a:rPr lang="nl-NL" dirty="0" err="1">
-                <a:latin typeface="Consolas" panose="020B0609020204030204" pitchFamily="49" charset="0"/>
-                <a:cs typeface="Consolas" panose="020B0609020204030204" pitchFamily="49" charset="0"/>
-              </a:rPr>
-              <a:t>list</a:t>
-            </a:r>
+              <a:t>(List list, Node newNode)</a:t>
+            </a:r>
+          </a:p>
+          <a:p>
+            <a:pPr lvl="2"/>
             <a:r>
               <a:rPr lang="nl-NL" dirty="0">
                 <a:latin typeface="Consolas" panose="020B0609020204030204" pitchFamily="49" charset="0"/>
                 <a:cs typeface="Consolas" panose="020B0609020204030204" pitchFamily="49" charset="0"/>
               </a:rPr>
-              <a:t>, Node </a:t>
-            </a:r>
-            <a:r>
-              <a:rPr lang="nl-NL" dirty="0" err="1">
+              <a:t>function </a:t>
+            </a:r>
+            <a:r>
+              <a:rPr lang="nl-NL" b="1" dirty="0">
                 <a:latin typeface="Consolas" panose="020B0609020204030204" pitchFamily="49" charset="0"/>
                 <a:cs typeface="Consolas" panose="020B0609020204030204" pitchFamily="49" charset="0"/>
               </a:rPr>
-              <a:t>newNode</a:t>
+              <a:t>insertLast</a:t>
             </a:r>
             <a:r>
               <a:rPr lang="nl-NL" dirty="0">
                 <a:latin typeface="Consolas" panose="020B0609020204030204" pitchFamily="49" charset="0"/>
                 <a:cs typeface="Consolas" panose="020B0609020204030204" pitchFamily="49" charset="0"/>
               </a:rPr>
-              <a:t>)</a:t>
+              <a:t>(List list, Node newNode)</a:t>
             </a:r>
           </a:p>
           <a:p>
@@ -15039,7 +14996,7 @@
         </p:nvSpPr>
         <p:spPr>
           <a:xfrm>
-            <a:off x="3885915" y="5103674"/>
+            <a:off x="5577064" y="4897196"/>
             <a:ext cx="6178061" cy="1754326"/>
           </a:xfrm>
           <a:prstGeom prst="rect">
@@ -15836,7 +15793,7 @@
         <p:spPr bwMode="auto">
           <a:xfrm>
             <a:off x="2702103" y="3818908"/>
-            <a:ext cx="4785284" cy="1815882"/>
+            <a:ext cx="4112023" cy="1815882"/>
           </a:xfrm>
           <a:prstGeom prst="rect">
             <a:avLst/>
@@ -15922,35 +15879,7 @@
                 <a:latin typeface="Consolas" panose="020B0609020204030204" pitchFamily="49" charset="0"/>
                 <a:cs typeface="Consolas" panose="020B0609020204030204" pitchFamily="49" charset="0"/>
               </a:rPr>
-              <a:t>&lt;</a:t>
-            </a:r>
-            <a:r>
-              <a:rPr kumimoji="0" lang="en-US" altLang="en-US" sz="1600" b="0" i="0" u="none" strike="noStrike" cap="none" normalizeH="0" baseline="0" dirty="0" err="1">
-                <a:ln>
-                  <a:noFill/>
-                </a:ln>
-                <a:solidFill>
-                  <a:srgbClr val="000000"/>
-                </a:solidFill>
-                <a:effectLst/>
-                <a:latin typeface="Consolas" panose="020B0609020204030204" pitchFamily="49" charset="0"/>
-                <a:cs typeface="Consolas" panose="020B0609020204030204" pitchFamily="49" charset="0"/>
-              </a:rPr>
-              <a:t>AnyType</a:t>
-            </a:r>
-            <a:r>
-              <a:rPr kumimoji="0" lang="en-US" altLang="en-US" sz="1600" b="0" i="0" u="none" strike="noStrike" cap="none" normalizeH="0" baseline="0" dirty="0">
-                <a:ln>
-                  <a:noFill/>
-                </a:ln>
-                <a:solidFill>
-                  <a:srgbClr val="000000"/>
-                </a:solidFill>
-                <a:effectLst/>
-                <a:latin typeface="Consolas" panose="020B0609020204030204" pitchFamily="49" charset="0"/>
-                <a:cs typeface="Consolas" panose="020B0609020204030204" pitchFamily="49" charset="0"/>
-              </a:rPr>
-              <a:t>&gt; </a:t>
+              <a:t>&lt;T&gt; </a:t>
             </a:r>
           </a:p>
           <a:p>
@@ -16003,16 +15932,6 @@
               <a:tabLst/>
             </a:pPr>
             <a:r>
-              <a:rPr lang="en-US" altLang="en-US" sz="1600" dirty="0">
-                <a:solidFill>
-                  <a:srgbClr val="000000"/>
-                </a:solidFill>
-                <a:latin typeface="Consolas" panose="020B0609020204030204" pitchFamily="49" charset="0"/>
-                <a:cs typeface="Consolas" panose="020B0609020204030204" pitchFamily="49" charset="0"/>
-              </a:rPr>
-              <a:t>  </a:t>
-            </a:r>
-            <a:r>
               <a:rPr kumimoji="0" lang="en-US" altLang="en-US" sz="1600" b="0" i="0" u="none" strike="noStrike" cap="none" normalizeH="0" baseline="0" dirty="0">
                 <a:ln>
                   <a:noFill/>
@@ -16024,35 +15943,7 @@
                 <a:latin typeface="Consolas" panose="020B0609020204030204" pitchFamily="49" charset="0"/>
                 <a:cs typeface="Consolas" panose="020B0609020204030204" pitchFamily="49" charset="0"/>
               </a:rPr>
-              <a:t>public void push(</a:t>
-            </a:r>
-            <a:r>
-              <a:rPr kumimoji="0" lang="en-US" altLang="en-US" sz="1600" b="0" i="0" u="none" strike="noStrike" cap="none" normalizeH="0" baseline="0" dirty="0" err="1">
-                <a:ln>
-                  <a:noFill/>
-                </a:ln>
-                <a:solidFill>
-                  <a:srgbClr val="000000"/>
-                </a:solidFill>
-                <a:effectLst/>
-                <a:latin typeface="Consolas" panose="020B0609020204030204" pitchFamily="49" charset="0"/>
-                <a:cs typeface="Consolas" panose="020B0609020204030204" pitchFamily="49" charset="0"/>
-              </a:rPr>
-              <a:t>AnyType</a:t>
-            </a:r>
-            <a:r>
-              <a:rPr kumimoji="0" lang="en-US" altLang="en-US" sz="1600" b="0" i="0" u="none" strike="noStrike" cap="none" normalizeH="0" baseline="0" dirty="0">
-                <a:ln>
-                  <a:noFill/>
-                </a:ln>
-                <a:solidFill>
-                  <a:srgbClr val="000000"/>
-                </a:solidFill>
-                <a:effectLst/>
-                <a:latin typeface="Consolas" panose="020B0609020204030204" pitchFamily="49" charset="0"/>
-                <a:cs typeface="Consolas" panose="020B0609020204030204" pitchFamily="49" charset="0"/>
-              </a:rPr>
-              <a:t> e); </a:t>
+              <a:t>  void push(T e); </a:t>
             </a:r>
           </a:p>
           <a:p>
@@ -16094,35 +15985,7 @@
                 <a:latin typeface="Consolas" panose="020B0609020204030204" pitchFamily="49" charset="0"/>
                 <a:cs typeface="Consolas" panose="020B0609020204030204" pitchFamily="49" charset="0"/>
               </a:rPr>
-              <a:t>public </a:t>
-            </a:r>
-            <a:r>
-              <a:rPr kumimoji="0" lang="en-US" altLang="en-US" sz="1600" b="0" i="0" u="none" strike="noStrike" cap="none" normalizeH="0" baseline="0" dirty="0" err="1">
-                <a:ln>
-                  <a:noFill/>
-                </a:ln>
-                <a:solidFill>
-                  <a:srgbClr val="000000"/>
-                </a:solidFill>
-                <a:effectLst/>
-                <a:latin typeface="Consolas" panose="020B0609020204030204" pitchFamily="49" charset="0"/>
-                <a:cs typeface="Consolas" panose="020B0609020204030204" pitchFamily="49" charset="0"/>
-              </a:rPr>
-              <a:t>AnyType</a:t>
-            </a:r>
-            <a:r>
-              <a:rPr kumimoji="0" lang="en-US" altLang="en-US" sz="1600" b="0" i="0" u="none" strike="noStrike" cap="none" normalizeH="0" baseline="0" dirty="0">
-                <a:ln>
-                  <a:noFill/>
-                </a:ln>
-                <a:solidFill>
-                  <a:srgbClr val="000000"/>
-                </a:solidFill>
-                <a:effectLst/>
-                <a:latin typeface="Consolas" panose="020B0609020204030204" pitchFamily="49" charset="0"/>
-                <a:cs typeface="Consolas" panose="020B0609020204030204" pitchFamily="49" charset="0"/>
-              </a:rPr>
-              <a:t> pop(); </a:t>
+              <a:t>T pop(); </a:t>
             </a:r>
           </a:p>
           <a:p>
@@ -16143,16 +16006,6 @@
               <a:tabLst/>
             </a:pPr>
             <a:r>
-              <a:rPr lang="en-US" altLang="en-US" sz="1600" dirty="0">
-                <a:solidFill>
-                  <a:srgbClr val="000000"/>
-                </a:solidFill>
-                <a:latin typeface="Consolas" panose="020B0609020204030204" pitchFamily="49" charset="0"/>
-                <a:cs typeface="Consolas" panose="020B0609020204030204" pitchFamily="49" charset="0"/>
-              </a:rPr>
-              <a:t>  </a:t>
-            </a:r>
-            <a:r>
               <a:rPr kumimoji="0" lang="en-US" altLang="en-US" sz="1600" b="0" i="0" u="none" strike="noStrike" cap="none" normalizeH="0" baseline="0" dirty="0">
                 <a:ln>
                   <a:noFill/>
@@ -16164,35 +16017,7 @@
                 <a:latin typeface="Consolas" panose="020B0609020204030204" pitchFamily="49" charset="0"/>
                 <a:cs typeface="Consolas" panose="020B0609020204030204" pitchFamily="49" charset="0"/>
               </a:rPr>
-              <a:t>public </a:t>
-            </a:r>
-            <a:r>
-              <a:rPr kumimoji="0" lang="en-US" altLang="en-US" sz="1600" b="0" i="0" u="none" strike="noStrike" cap="none" normalizeH="0" baseline="0" dirty="0" err="1">
-                <a:ln>
-                  <a:noFill/>
-                </a:ln>
-                <a:solidFill>
-                  <a:srgbClr val="000000"/>
-                </a:solidFill>
-                <a:effectLst/>
-                <a:latin typeface="Consolas" panose="020B0609020204030204" pitchFamily="49" charset="0"/>
-                <a:cs typeface="Consolas" panose="020B0609020204030204" pitchFamily="49" charset="0"/>
-              </a:rPr>
-              <a:t>AnyType</a:t>
-            </a:r>
-            <a:r>
-              <a:rPr kumimoji="0" lang="en-US" altLang="en-US" sz="1600" b="0" i="0" u="none" strike="noStrike" cap="none" normalizeH="0" baseline="0" dirty="0">
-                <a:ln>
-                  <a:noFill/>
-                </a:ln>
-                <a:solidFill>
-                  <a:srgbClr val="000000"/>
-                </a:solidFill>
-                <a:effectLst/>
-                <a:latin typeface="Consolas" panose="020B0609020204030204" pitchFamily="49" charset="0"/>
-                <a:cs typeface="Consolas" panose="020B0609020204030204" pitchFamily="49" charset="0"/>
-              </a:rPr>
-              <a:t> peek(); </a:t>
+              <a:t>  T peek(); </a:t>
             </a:r>
           </a:p>
           <a:p>
@@ -16213,16 +16038,6 @@
               <a:tabLst/>
             </a:pPr>
             <a:r>
-              <a:rPr lang="en-US" altLang="en-US" sz="1600" dirty="0">
-                <a:solidFill>
-                  <a:srgbClr val="000000"/>
-                </a:solidFill>
-                <a:latin typeface="Consolas" panose="020B0609020204030204" pitchFamily="49" charset="0"/>
-                <a:cs typeface="Consolas" panose="020B0609020204030204" pitchFamily="49" charset="0"/>
-              </a:rPr>
-              <a:t>  </a:t>
-            </a:r>
-            <a:r>
               <a:rPr kumimoji="0" lang="en-US" altLang="en-US" sz="1600" b="0" i="0" u="none" strike="noStrike" cap="none" normalizeH="0" baseline="0" dirty="0">
                 <a:ln>
                   <a:noFill/>
@@ -16234,7 +16049,7 @@
                 <a:latin typeface="Consolas" panose="020B0609020204030204" pitchFamily="49" charset="0"/>
                 <a:cs typeface="Consolas" panose="020B0609020204030204" pitchFamily="49" charset="0"/>
               </a:rPr>
-              <a:t>public </a:t>
+              <a:t>  </a:t>
             </a:r>
             <a:r>
               <a:rPr kumimoji="0" lang="en-US" altLang="en-US" sz="1600" b="0" i="0" u="none" strike="noStrike" cap="none" normalizeH="0" baseline="0" dirty="0" err="1">
@@ -16290,7 +16105,7 @@
                 <a:latin typeface="Consolas" panose="020B0609020204030204" pitchFamily="49" charset="0"/>
                 <a:cs typeface="Consolas" panose="020B0609020204030204" pitchFamily="49" charset="0"/>
               </a:rPr>
-              <a:t>(); </a:t>
+              <a:t>();</a:t>
             </a:r>
           </a:p>
           <a:p>
@@ -18266,14 +18081,14 @@
                 <a:latin typeface="Consolas" panose="020B0609020204030204" pitchFamily="49" charset="0"/>
                 <a:cs typeface="Consolas" panose="020B0609020204030204" pitchFamily="49" charset="0"/>
               </a:rPr>
-              <a:t>interface </a:t>
+              <a:t>public interface </a:t>
             </a:r>
             <a:r>
               <a:rPr lang="en-GB" sz="1600" dirty="0" err="1">
                 <a:latin typeface="Consolas" panose="020B0609020204030204" pitchFamily="49" charset="0"/>
                 <a:cs typeface="Consolas" panose="020B0609020204030204" pitchFamily="49" charset="0"/>
               </a:rPr>
-              <a:t>QueueInterface‹AnyType</a:t>
+              <a:t>QueueInterface‹T</a:t>
             </a:r>
             <a:r>
               <a:rPr lang="en-GB" sz="1600" dirty="0">
@@ -18298,35 +18113,25 @@
                 <a:latin typeface="Consolas" panose="020B0609020204030204" pitchFamily="49" charset="0"/>
                 <a:cs typeface="Consolas" panose="020B0609020204030204" pitchFamily="49" charset="0"/>
               </a:rPr>
-              <a:t>  public void </a:t>
-            </a:r>
-            <a:r>
-              <a:rPr lang="en-GB" sz="1600" dirty="0" err="1">
-                <a:latin typeface="Consolas" panose="020B0609020204030204" pitchFamily="49" charset="0"/>
-                <a:cs typeface="Consolas" panose="020B0609020204030204" pitchFamily="49" charset="0"/>
-              </a:rPr>
-              <a:t>enqueue</a:t>
-            </a:r>
+              <a:t>  void enqueue(T e); </a:t>
+            </a:r>
+          </a:p>
+          <a:p>
             <a:r>
               <a:rPr lang="en-GB" sz="1600" dirty="0">
                 <a:latin typeface="Consolas" panose="020B0609020204030204" pitchFamily="49" charset="0"/>
                 <a:cs typeface="Consolas" panose="020B0609020204030204" pitchFamily="49" charset="0"/>
               </a:rPr>
-              <a:t>(</a:t>
-            </a:r>
-            <a:r>
-              <a:rPr lang="en-GB" sz="1600" dirty="0" err="1">
-                <a:latin typeface="Consolas" panose="020B0609020204030204" pitchFamily="49" charset="0"/>
-                <a:cs typeface="Consolas" panose="020B0609020204030204" pitchFamily="49" charset="0"/>
-              </a:rPr>
-              <a:t>AnyType</a:t>
-            </a:r>
+              <a:t>  T peek();</a:t>
+            </a:r>
+          </a:p>
+          <a:p>
             <a:r>
               <a:rPr lang="en-GB" sz="1600" dirty="0">
                 <a:latin typeface="Consolas" panose="020B0609020204030204" pitchFamily="49" charset="0"/>
                 <a:cs typeface="Consolas" panose="020B0609020204030204" pitchFamily="49" charset="0"/>
               </a:rPr>
-              <a:t> e); </a:t>
+              <a:t>  T dequeue();</a:t>
             </a:r>
           </a:p>
           <a:p>
@@ -18335,67 +18140,7 @@
                 <a:latin typeface="Consolas" panose="020B0609020204030204" pitchFamily="49" charset="0"/>
                 <a:cs typeface="Consolas" panose="020B0609020204030204" pitchFamily="49" charset="0"/>
               </a:rPr>
-              <a:t>  public </a:t>
-            </a:r>
-            <a:r>
-              <a:rPr lang="en-GB" sz="1600" dirty="0" err="1">
-                <a:latin typeface="Consolas" panose="020B0609020204030204" pitchFamily="49" charset="0"/>
-                <a:cs typeface="Consolas" panose="020B0609020204030204" pitchFamily="49" charset="0"/>
-              </a:rPr>
-              <a:t>AnyType</a:t>
-            </a:r>
-            <a:r>
-              <a:rPr lang="en-GB" sz="1600" dirty="0">
-                <a:latin typeface="Consolas" panose="020B0609020204030204" pitchFamily="49" charset="0"/>
-                <a:cs typeface="Consolas" panose="020B0609020204030204" pitchFamily="49" charset="0"/>
-              </a:rPr>
-              <a:t> peek();</a:t>
-            </a:r>
-          </a:p>
-          <a:p>
-            <a:r>
-              <a:rPr lang="en-GB" sz="1600" dirty="0">
-                <a:latin typeface="Consolas" panose="020B0609020204030204" pitchFamily="49" charset="0"/>
-                <a:cs typeface="Consolas" panose="020B0609020204030204" pitchFamily="49" charset="0"/>
-              </a:rPr>
-              <a:t>  public </a:t>
-            </a:r>
-            <a:r>
-              <a:rPr lang="en-GB" sz="1600" dirty="0" err="1">
-                <a:latin typeface="Consolas" panose="020B0609020204030204" pitchFamily="49" charset="0"/>
-                <a:cs typeface="Consolas" panose="020B0609020204030204" pitchFamily="49" charset="0"/>
-              </a:rPr>
-              <a:t>AnyType</a:t>
-            </a:r>
-            <a:r>
-              <a:rPr lang="en-GB" sz="1600" dirty="0">
-                <a:latin typeface="Consolas" panose="020B0609020204030204" pitchFamily="49" charset="0"/>
-                <a:cs typeface="Consolas" panose="020B0609020204030204" pitchFamily="49" charset="0"/>
-              </a:rPr>
-              <a:t> </a:t>
-            </a:r>
-            <a:r>
-              <a:rPr lang="en-GB" sz="1600" dirty="0" err="1">
-                <a:latin typeface="Consolas" panose="020B0609020204030204" pitchFamily="49" charset="0"/>
-                <a:cs typeface="Consolas" panose="020B0609020204030204" pitchFamily="49" charset="0"/>
-              </a:rPr>
-              <a:t>dequeue</a:t>
-            </a:r>
-            <a:r>
-              <a:rPr lang="en-GB" sz="1600" dirty="0">
-                <a:latin typeface="Consolas" panose="020B0609020204030204" pitchFamily="49" charset="0"/>
-                <a:cs typeface="Consolas" panose="020B0609020204030204" pitchFamily="49" charset="0"/>
-              </a:rPr>
-              <a:t>();</a:t>
-            </a:r>
-          </a:p>
-          <a:p>
-            <a:r>
-              <a:rPr lang="en-GB" sz="1600" dirty="0">
-                <a:latin typeface="Consolas" panose="020B0609020204030204" pitchFamily="49" charset="0"/>
-                <a:cs typeface="Consolas" panose="020B0609020204030204" pitchFamily="49" charset="0"/>
-              </a:rPr>
-              <a:t>  public </a:t>
+              <a:t>  </a:t>
             </a:r>
             <a:r>
               <a:rPr lang="en-GB" sz="1600" dirty="0" err="1">
@@ -27897,14 +27642,14 @@
               <a:t>Generic with respect to the types of keys and values </a:t>
             </a:r>
             <a:endParaRPr lang="en-GB" dirty="0">
-              <a:hlinkClick r:id=""/>
+              <a:hlinkClick r:id="" action="ppaction://noaction"/>
             </a:endParaRPr>
           </a:p>
           <a:p>
             <a:pPr lvl="1"/>
             <a:r>
               <a:rPr lang="en-GB" dirty="0">
-                <a:hlinkClick r:id=""/>
+                <a:hlinkClick r:id="" action="ppaction://noaction"/>
               </a:rPr>
               <a:t>http</a:t>
             </a:r>
